--- a/docs/diagrams/AddTimeSuccessDiagram.pptx
+++ b/docs/diagrams/AddTimeSuccessDiagram.pptx
@@ -104,6 +104,11 @@
       </a:defRPr>
     </a:lvl9pPr>
   </p:defaultTextStyle>
+  <p:extLst>
+    <p:ext uri="{EFAFB233-063F-42B5-8137-9DF3F51BA10A}">
+      <p15:sldGuideLst xmlns:p15="http://schemas.microsoft.com/office/powerpoint/2012/main"/>
+    </p:ext>
+  </p:extLst>
 </p:presentation>
 </file>
 
@@ -238,7 +243,7 @@
           <a:p>
             <a:fld id="{046CA144-6B4B-45E2-956A-473C92BE83AE}" type="datetimeFigureOut">
               <a:rPr lang="en-SG" smtClean="0"/>
-              <a:t>30/10/2018</a:t>
+              <a:t>12/11/2018</a:t>
             </a:fld>
             <a:endParaRPr lang="en-SG"/>
           </a:p>
@@ -408,7 +413,7 @@
           <a:p>
             <a:fld id="{046CA144-6B4B-45E2-956A-473C92BE83AE}" type="datetimeFigureOut">
               <a:rPr lang="en-SG" smtClean="0"/>
-              <a:t>30/10/2018</a:t>
+              <a:t>12/11/2018</a:t>
             </a:fld>
             <a:endParaRPr lang="en-SG"/>
           </a:p>
@@ -588,7 +593,7 @@
           <a:p>
             <a:fld id="{046CA144-6B4B-45E2-956A-473C92BE83AE}" type="datetimeFigureOut">
               <a:rPr lang="en-SG" smtClean="0"/>
-              <a:t>30/10/2018</a:t>
+              <a:t>12/11/2018</a:t>
             </a:fld>
             <a:endParaRPr lang="en-SG"/>
           </a:p>
@@ -758,7 +763,7 @@
           <a:p>
             <a:fld id="{046CA144-6B4B-45E2-956A-473C92BE83AE}" type="datetimeFigureOut">
               <a:rPr lang="en-SG" smtClean="0"/>
-              <a:t>30/10/2018</a:t>
+              <a:t>12/11/2018</a:t>
             </a:fld>
             <a:endParaRPr lang="en-SG"/>
           </a:p>
@@ -1004,7 +1009,7 @@
           <a:p>
             <a:fld id="{046CA144-6B4B-45E2-956A-473C92BE83AE}" type="datetimeFigureOut">
               <a:rPr lang="en-SG" smtClean="0"/>
-              <a:t>30/10/2018</a:t>
+              <a:t>12/11/2018</a:t>
             </a:fld>
             <a:endParaRPr lang="en-SG"/>
           </a:p>
@@ -1236,7 +1241,7 @@
           <a:p>
             <a:fld id="{046CA144-6B4B-45E2-956A-473C92BE83AE}" type="datetimeFigureOut">
               <a:rPr lang="en-SG" smtClean="0"/>
-              <a:t>30/10/2018</a:t>
+              <a:t>12/11/2018</a:t>
             </a:fld>
             <a:endParaRPr lang="en-SG"/>
           </a:p>
@@ -1603,7 +1608,7 @@
           <a:p>
             <a:fld id="{046CA144-6B4B-45E2-956A-473C92BE83AE}" type="datetimeFigureOut">
               <a:rPr lang="en-SG" smtClean="0"/>
-              <a:t>30/10/2018</a:t>
+              <a:t>12/11/2018</a:t>
             </a:fld>
             <a:endParaRPr lang="en-SG"/>
           </a:p>
@@ -1721,7 +1726,7 @@
           <a:p>
             <a:fld id="{046CA144-6B4B-45E2-956A-473C92BE83AE}" type="datetimeFigureOut">
               <a:rPr lang="en-SG" smtClean="0"/>
-              <a:t>30/10/2018</a:t>
+              <a:t>12/11/2018</a:t>
             </a:fld>
             <a:endParaRPr lang="en-SG"/>
           </a:p>
@@ -1816,7 +1821,7 @@
           <a:p>
             <a:fld id="{046CA144-6B4B-45E2-956A-473C92BE83AE}" type="datetimeFigureOut">
               <a:rPr lang="en-SG" smtClean="0"/>
-              <a:t>30/10/2018</a:t>
+              <a:t>12/11/2018</a:t>
             </a:fld>
             <a:endParaRPr lang="en-SG"/>
           </a:p>
@@ -2093,7 +2098,7 @@
           <a:p>
             <a:fld id="{046CA144-6B4B-45E2-956A-473C92BE83AE}" type="datetimeFigureOut">
               <a:rPr lang="en-SG" smtClean="0"/>
-              <a:t>30/10/2018</a:t>
+              <a:t>12/11/2018</a:t>
             </a:fld>
             <a:endParaRPr lang="en-SG"/>
           </a:p>
@@ -2346,7 +2351,7 @@
           <a:p>
             <a:fld id="{046CA144-6B4B-45E2-956A-473C92BE83AE}" type="datetimeFigureOut">
               <a:rPr lang="en-SG" smtClean="0"/>
-              <a:t>30/10/2018</a:t>
+              <a:t>12/11/2018</a:t>
             </a:fld>
             <a:endParaRPr lang="en-SG"/>
           </a:p>
@@ -2559,7 +2564,7 @@
           <a:p>
             <a:fld id="{046CA144-6B4B-45E2-956A-473C92BE83AE}" type="datetimeFigureOut">
               <a:rPr lang="en-SG" smtClean="0"/>
-              <a:t>30/10/2018</a:t>
+              <a:t>12/11/2018</a:t>
             </a:fld>
             <a:endParaRPr lang="en-SG"/>
           </a:p>
@@ -2966,7 +2971,7 @@
       </p:grpSpPr>
       <p:pic>
         <p:nvPicPr>
-          <p:cNvPr id="4" name="Picture 3"/>
+          <p:cNvPr id="3" name="Picture 2"/>
           <p:cNvPicPr>
             <a:picLocks noChangeAspect="1"/>
           </p:cNvPicPr>
@@ -2980,8 +2985,8 @@
         </p:blipFill>
         <p:spPr>
           <a:xfrm>
-            <a:off x="1494571" y="0"/>
-            <a:ext cx="9202857" cy="6858000"/>
+            <a:off x="76200" y="185737"/>
+            <a:ext cx="12039600" cy="6486525"/>
           </a:xfrm>
           <a:prstGeom prst="rect">
             <a:avLst/>
@@ -2996,8 +3001,8 @@
         </p:nvSpPr>
         <p:spPr>
           <a:xfrm>
-            <a:off x="9252065" y="2460568"/>
-            <a:ext cx="698270" cy="365760"/>
+            <a:off x="5793968" y="3466406"/>
+            <a:ext cx="1820489" cy="532015"/>
           </a:xfrm>
           <a:prstGeom prst="rect">
             <a:avLst/>
@@ -3042,7 +3047,7 @@
         </p:nvSpPr>
         <p:spPr>
           <a:xfrm>
-            <a:off x="8703425" y="2826328"/>
+            <a:off x="5806437" y="3998421"/>
             <a:ext cx="1795549" cy="369332"/>
           </a:xfrm>
           <a:prstGeom prst="rect">
@@ -3081,8 +3086,8 @@
         </p:nvSpPr>
         <p:spPr>
           <a:xfrm>
-            <a:off x="1494570" y="651164"/>
-            <a:ext cx="2254469" cy="279861"/>
+            <a:off x="216131" y="1131916"/>
+            <a:ext cx="2535381" cy="279861"/>
           </a:xfrm>
           <a:prstGeom prst="rect">
             <a:avLst/>
@@ -3127,7 +3132,7 @@
         </p:nvSpPr>
         <p:spPr>
           <a:xfrm>
-            <a:off x="1724029" y="931025"/>
+            <a:off x="586046" y="1411777"/>
             <a:ext cx="1795549" cy="369332"/>
           </a:xfrm>
           <a:prstGeom prst="rect">
